--- a/C++언어/수업자료/C++_4_this포인터_디폴트매개변수_오버로딩.pptx
+++ b/C++언어/수업자료/C++_4_this포인터_디폴트매개변수_오버로딩.pptx
@@ -36,34 +36,34 @@
   <p:notesSz cx="6858000" cy="9144000"/>
   <p:embeddedFontLst>
     <p:embeddedFont>
+      <p:font typeface="Segoe UI Black" pitchFamily="34" charset="0"/>
+      <p:bold r:id="rId26"/>
+      <p:boldItalic r:id="rId27"/>
+    </p:embeddedFont>
+    <p:embeddedFont>
+      <p:font typeface="HY강M" charset="-127"/>
+      <p:regular r:id="rId28"/>
+    </p:embeddedFont>
+    <p:embeddedFont>
       <p:font typeface="HY헤드라인M" pitchFamily="18" charset="-127"/>
-      <p:regular r:id="rId26"/>
+      <p:regular r:id="rId29"/>
+    </p:embeddedFont>
+    <p:embeddedFont>
+      <p:font typeface="HY강B" charset="-127"/>
+      <p:regular r:id="rId30"/>
+    </p:embeddedFont>
+    <p:embeddedFont>
+      <p:font typeface="Yoon 윤고딕 520_TT" charset="-127"/>
+      <p:regular r:id="rId31"/>
     </p:embeddedFont>
     <p:embeddedFont>
       <p:font typeface="HY견고딕" pitchFamily="18" charset="-127"/>
-      <p:regular r:id="rId27"/>
-    </p:embeddedFont>
-    <p:embeddedFont>
-      <p:font typeface="Segoe UI Black" pitchFamily="34" charset="0"/>
-      <p:bold r:id="rId28"/>
-      <p:boldItalic r:id="rId29"/>
-    </p:embeddedFont>
-    <p:embeddedFont>
-      <p:font typeface="HY강M" charset="-127"/>
-      <p:regular r:id="rId30"/>
-    </p:embeddedFont>
-    <p:embeddedFont>
-      <p:font typeface="HY강B" charset="-127"/>
-      <p:regular r:id="rId31"/>
+      <p:regular r:id="rId32"/>
     </p:embeddedFont>
     <p:embeddedFont>
       <p:font typeface="맑은 고딕" pitchFamily="50" charset="-127"/>
-      <p:regular r:id="rId32"/>
-      <p:bold r:id="rId33"/>
-    </p:embeddedFont>
-    <p:embeddedFont>
-      <p:font typeface="Yoon 윤고딕 520_TT" charset="-127"/>
-      <p:regular r:id="rId34"/>
+      <p:regular r:id="rId33"/>
+      <p:bold r:id="rId34"/>
     </p:embeddedFont>
   </p:embeddedFontLst>
   <p:defaultTextStyle>
@@ -247,7 +247,7 @@
             <a:fld id="{E2E81C77-485D-47AA-9839-DA75671EEAD7}" type="datetimeFigureOut">
               <a:rPr lang="ko-KR" altLang="en-US" smtClean="0"/>
               <a:pPr/>
-              <a:t>2022-01-24</a:t>
+              <a:t>2022-01-25</a:t>
             </a:fld>
             <a:endParaRPr lang="ko-KR" altLang="en-US"/>
           </a:p>
@@ -847,6 +847,199 @@
         </p:nvSpPr>
         <p:spPr/>
         <p:txBody>
+          <a:bodyPr/>
+          <a:lstStyle/>
+          <a:p>
+            <a:endParaRPr lang="ko-KR" altLang="en-US" dirty="0"/>
+          </a:p>
+        </p:txBody>
+      </p:sp>
+      <p:sp>
+        <p:nvSpPr>
+          <p:cNvPr id="4" name="슬라이드 번호 개체 틀 3"/>
+          <p:cNvSpPr>
+            <a:spLocks noGrp="1"/>
+          </p:cNvSpPr>
+          <p:nvPr>
+            <p:ph type="sldNum" sz="quarter" idx="10"/>
+          </p:nvPr>
+        </p:nvSpPr>
+        <p:spPr/>
+        <p:txBody>
+          <a:bodyPr/>
+          <a:lstStyle/>
+          <a:p>
+            <a:fld id="{15317825-7312-444A-A32A-E4ADCED38ACF}" type="slidenum">
+              <a:rPr lang="ko-KR" altLang="en-US" smtClean="0"/>
+              <a:pPr/>
+              <a:t>14</a:t>
+            </a:fld>
+            <a:endParaRPr lang="ko-KR" altLang="en-US"/>
+          </a:p>
+        </p:txBody>
+      </p:sp>
+    </p:spTree>
+    <p:extLst>
+      <p:ext uri="{BB962C8B-B14F-4D97-AF65-F5344CB8AC3E}">
+        <p14:creationId xmlns:p14="http://schemas.microsoft.com/office/powerpoint/2010/main" val="3915534775"/>
+      </p:ext>
+    </p:extLst>
+  </p:cSld>
+  <p:clrMapOvr>
+    <a:masterClrMapping/>
+  </p:clrMapOvr>
+</p:notes>
+</file>
+
+<file path=ppt/notesSlides/notesSlide5.xml><?xml version="1.0" encoding="utf-8"?>
+<p:notes xmlns:a="http://schemas.openxmlformats.org/drawingml/2006/main" xmlns:r="http://schemas.openxmlformats.org/officeDocument/2006/relationships" xmlns:p="http://schemas.openxmlformats.org/presentationml/2006/main">
+  <p:cSld>
+    <p:spTree>
+      <p:nvGrpSpPr>
+        <p:cNvPr id="1" name=""/>
+        <p:cNvGrpSpPr/>
+        <p:nvPr/>
+      </p:nvGrpSpPr>
+      <p:grpSpPr>
+        <a:xfrm>
+          <a:off x="0" y="0"/>
+          <a:ext cx="0" cy="0"/>
+          <a:chOff x="0" y="0"/>
+          <a:chExt cx="0" cy="0"/>
+        </a:xfrm>
+      </p:grpSpPr>
+      <p:sp>
+        <p:nvSpPr>
+          <p:cNvPr id="2" name="슬라이드 이미지 개체 틀 1"/>
+          <p:cNvSpPr>
+            <a:spLocks noGrp="1" noRot="1" noChangeAspect="1"/>
+          </p:cNvSpPr>
+          <p:nvPr>
+            <p:ph type="sldImg"/>
+          </p:nvPr>
+        </p:nvSpPr>
+        <p:spPr/>
+      </p:sp>
+      <p:sp>
+        <p:nvSpPr>
+          <p:cNvPr id="3" name="슬라이드 노트 개체 틀 2"/>
+          <p:cNvSpPr>
+            <a:spLocks noGrp="1"/>
+          </p:cNvSpPr>
+          <p:nvPr>
+            <p:ph type="body" idx="1"/>
+          </p:nvPr>
+        </p:nvSpPr>
+        <p:spPr/>
+        <p:txBody>
+          <a:bodyPr/>
+          <a:lstStyle/>
+          <a:p>
+            <a:r>
+              <a:rPr lang="ko-KR" altLang="en-US" dirty="0" smtClean="0"/>
+              <a:t>매개변수는 값만 </a:t>
+            </a:r>
+            <a:r>
+              <a:rPr lang="ko-KR" altLang="en-US" dirty="0" err="1" smtClean="0"/>
+              <a:t>바뀔때</a:t>
+            </a:r>
+            <a:r>
+              <a:rPr lang="ko-KR" altLang="en-US" dirty="0" smtClean="0"/>
+              <a:t> </a:t>
+            </a:r>
+            <a:endParaRPr lang="en-US" altLang="ko-KR" dirty="0" smtClean="0"/>
+          </a:p>
+          <a:p>
+            <a:r>
+              <a:rPr lang="ko-KR" altLang="en-US" dirty="0" smtClean="0"/>
+              <a:t>오버로딩은 종속 문장이 </a:t>
+            </a:r>
+            <a:r>
+              <a:rPr lang="ko-KR" altLang="en-US" dirty="0" err="1" smtClean="0"/>
+              <a:t>바뀌어야할때</a:t>
+            </a:r>
+            <a:endParaRPr lang="ko-KR" altLang="en-US" dirty="0"/>
+          </a:p>
+        </p:txBody>
+      </p:sp>
+      <p:sp>
+        <p:nvSpPr>
+          <p:cNvPr id="4" name="슬라이드 번호 개체 틀 3"/>
+          <p:cNvSpPr>
+            <a:spLocks noGrp="1"/>
+          </p:cNvSpPr>
+          <p:nvPr>
+            <p:ph type="sldNum" sz="quarter" idx="10"/>
+          </p:nvPr>
+        </p:nvSpPr>
+        <p:spPr/>
+        <p:txBody>
+          <a:bodyPr/>
+          <a:lstStyle/>
+          <a:p>
+            <a:fld id="{15317825-7312-444A-A32A-E4ADCED38ACF}" type="slidenum">
+              <a:rPr lang="ko-KR" altLang="en-US" smtClean="0"/>
+              <a:pPr/>
+              <a:t>21</a:t>
+            </a:fld>
+            <a:endParaRPr lang="ko-KR" altLang="en-US"/>
+          </a:p>
+        </p:txBody>
+      </p:sp>
+    </p:spTree>
+    <p:extLst>
+      <p:ext uri="{BB962C8B-B14F-4D97-AF65-F5344CB8AC3E}">
+        <p14:creationId xmlns:p14="http://schemas.microsoft.com/office/powerpoint/2010/main" val="357606286"/>
+      </p:ext>
+    </p:extLst>
+  </p:cSld>
+  <p:clrMapOvr>
+    <a:masterClrMapping/>
+  </p:clrMapOvr>
+</p:notes>
+</file>
+
+<file path=ppt/notesSlides/notesSlide6.xml><?xml version="1.0" encoding="utf-8"?>
+<p:notes xmlns:a="http://schemas.openxmlformats.org/drawingml/2006/main" xmlns:r="http://schemas.openxmlformats.org/officeDocument/2006/relationships" xmlns:p="http://schemas.openxmlformats.org/presentationml/2006/main">
+  <p:cSld>
+    <p:spTree>
+      <p:nvGrpSpPr>
+        <p:cNvPr id="1" name=""/>
+        <p:cNvGrpSpPr/>
+        <p:nvPr/>
+      </p:nvGrpSpPr>
+      <p:grpSpPr>
+        <a:xfrm>
+          <a:off x="0" y="0"/>
+          <a:ext cx="0" cy="0"/>
+          <a:chOff x="0" y="0"/>
+          <a:chExt cx="0" cy="0"/>
+        </a:xfrm>
+      </p:grpSpPr>
+      <p:sp>
+        <p:nvSpPr>
+          <p:cNvPr id="2" name="슬라이드 이미지 개체 틀 1"/>
+          <p:cNvSpPr>
+            <a:spLocks noGrp="1" noRot="1" noChangeAspect="1"/>
+          </p:cNvSpPr>
+          <p:nvPr>
+            <p:ph type="sldImg"/>
+          </p:nvPr>
+        </p:nvSpPr>
+        <p:spPr/>
+      </p:sp>
+      <p:sp>
+        <p:nvSpPr>
+          <p:cNvPr id="3" name="슬라이드 노트 개체 틀 2"/>
+          <p:cNvSpPr>
+            <a:spLocks noGrp="1"/>
+          </p:cNvSpPr>
+          <p:nvPr>
+            <p:ph type="body" idx="1"/>
+          </p:nvPr>
+        </p:nvSpPr>
+        <p:spPr/>
+        <p:txBody>
           <a:bodyPr>
             <a:normAutofit/>
           </a:bodyPr>
@@ -1070,7 +1263,7 @@
             <a:fld id="{3A302466-FE76-40E8-BE5D-598A609EDD2B}" type="datetimeFigureOut">
               <a:rPr lang="ko-KR" altLang="en-US" smtClean="0"/>
               <a:pPr/>
-              <a:t>2022-01-24</a:t>
+              <a:t>2022-01-25</a:t>
             </a:fld>
             <a:endParaRPr lang="ko-KR" altLang="en-US"/>
           </a:p>
@@ -1242,7 +1435,7 @@
             <a:fld id="{3A302466-FE76-40E8-BE5D-598A609EDD2B}" type="datetimeFigureOut">
               <a:rPr lang="ko-KR" altLang="en-US" smtClean="0"/>
               <a:pPr/>
-              <a:t>2022-01-24</a:t>
+              <a:t>2022-01-25</a:t>
             </a:fld>
             <a:endParaRPr lang="ko-KR" altLang="en-US"/>
           </a:p>
@@ -1424,7 +1617,7 @@
             <a:fld id="{3A302466-FE76-40E8-BE5D-598A609EDD2B}" type="datetimeFigureOut">
               <a:rPr lang="ko-KR" altLang="en-US" smtClean="0"/>
               <a:pPr/>
-              <a:t>2022-01-24</a:t>
+              <a:t>2022-01-25</a:t>
             </a:fld>
             <a:endParaRPr lang="ko-KR" altLang="en-US"/>
           </a:p>
@@ -1596,7 +1789,7 @@
             <a:fld id="{3A302466-FE76-40E8-BE5D-598A609EDD2B}" type="datetimeFigureOut">
               <a:rPr lang="ko-KR" altLang="en-US" smtClean="0"/>
               <a:pPr/>
-              <a:t>2022-01-24</a:t>
+              <a:t>2022-01-25</a:t>
             </a:fld>
             <a:endParaRPr lang="ko-KR" altLang="en-US"/>
           </a:p>
@@ -1844,7 +2037,7 @@
             <a:fld id="{3A302466-FE76-40E8-BE5D-598A609EDD2B}" type="datetimeFigureOut">
               <a:rPr lang="ko-KR" altLang="en-US" smtClean="0"/>
               <a:pPr/>
-              <a:t>2022-01-24</a:t>
+              <a:t>2022-01-25</a:t>
             </a:fld>
             <a:endParaRPr lang="ko-KR" altLang="en-US"/>
           </a:p>
@@ -2134,7 +2327,7 @@
             <a:fld id="{3A302466-FE76-40E8-BE5D-598A609EDD2B}" type="datetimeFigureOut">
               <a:rPr lang="ko-KR" altLang="en-US" smtClean="0"/>
               <a:pPr/>
-              <a:t>2022-01-24</a:t>
+              <a:t>2022-01-25</a:t>
             </a:fld>
             <a:endParaRPr lang="ko-KR" altLang="en-US"/>
           </a:p>
@@ -2558,7 +2751,7 @@
             <a:fld id="{3A302466-FE76-40E8-BE5D-598A609EDD2B}" type="datetimeFigureOut">
               <a:rPr lang="ko-KR" altLang="en-US" smtClean="0"/>
               <a:pPr/>
-              <a:t>2022-01-24</a:t>
+              <a:t>2022-01-25</a:t>
             </a:fld>
             <a:endParaRPr lang="ko-KR" altLang="en-US"/>
           </a:p>
@@ -2678,7 +2871,7 @@
             <a:fld id="{3A302466-FE76-40E8-BE5D-598A609EDD2B}" type="datetimeFigureOut">
               <a:rPr lang="ko-KR" altLang="en-US" smtClean="0"/>
               <a:pPr/>
-              <a:t>2022-01-24</a:t>
+              <a:t>2022-01-25</a:t>
             </a:fld>
             <a:endParaRPr lang="ko-KR" altLang="en-US"/>
           </a:p>
@@ -2775,7 +2968,7 @@
             <a:fld id="{3A302466-FE76-40E8-BE5D-598A609EDD2B}" type="datetimeFigureOut">
               <a:rPr lang="ko-KR" altLang="en-US" smtClean="0"/>
               <a:pPr/>
-              <a:t>2022-01-24</a:t>
+              <a:t>2022-01-25</a:t>
             </a:fld>
             <a:endParaRPr lang="ko-KR" altLang="en-US"/>
           </a:p>
@@ -3054,7 +3247,7 @@
             <a:fld id="{3A302466-FE76-40E8-BE5D-598A609EDD2B}" type="datetimeFigureOut">
               <a:rPr lang="ko-KR" altLang="en-US" smtClean="0"/>
               <a:pPr/>
-              <a:t>2022-01-24</a:t>
+              <a:t>2022-01-25</a:t>
             </a:fld>
             <a:endParaRPr lang="ko-KR" altLang="en-US"/>
           </a:p>
@@ -3309,7 +3502,7 @@
             <a:fld id="{3A302466-FE76-40E8-BE5D-598A609EDD2B}" type="datetimeFigureOut">
               <a:rPr lang="ko-KR" altLang="en-US" smtClean="0"/>
               <a:pPr/>
-              <a:t>2022-01-24</a:t>
+              <a:t>2022-01-25</a:t>
             </a:fld>
             <a:endParaRPr lang="ko-KR" altLang="en-US"/>
           </a:p>
@@ -3524,7 +3717,7 @@
             <a:fld id="{3A302466-FE76-40E8-BE5D-598A609EDD2B}" type="datetimeFigureOut">
               <a:rPr lang="ko-KR" altLang="en-US" smtClean="0"/>
               <a:pPr/>
-              <a:t>2022-01-24</a:t>
+              <a:t>2022-01-25</a:t>
             </a:fld>
             <a:endParaRPr lang="ko-KR" altLang="en-US"/>
           </a:p>
